--- a/slides.pptx
+++ b/slides.pptx
@@ -20,19 +20,9 @@
     <p:sldId id="268" r:id="rId14"/>
     <p:sldId id="269" r:id="rId15"/>
     <p:sldId id="270" r:id="rId16"/>
-    <p:sldId id="271" r:id="rId17"/>
-    <p:sldId id="272" r:id="rId18"/>
-    <p:sldId id="273" r:id="rId19"/>
-    <p:sldId id="274" r:id="rId20"/>
-    <p:sldId id="275" r:id="rId21"/>
-    <p:sldId id="276" r:id="rId22"/>
-    <p:sldId id="277" r:id="rId23"/>
-    <p:sldId id="278" r:id="rId24"/>
-    <p:sldId id="279" r:id="rId25"/>
-    <p:sldId id="280" r:id="rId26"/>
   </p:sldIdLst>
   <p:notesMasterIdLst>
-    <p:notesMasterId r:id="rId27"/>
+    <p:notesMasterId r:id="rId17"/>
   </p:notesMasterIdLst>
   <p:sldSz cx="12192000" cy="6858000"/>
   <p:notesSz cx="6858000" cy="12192000"/>
@@ -707,12 +697,16 @@
           <a:p>
             <a:r>
               <a:rPr lang="en-US" dirty="0"/>
-              <a:t>Note: there are very few reasons to checkout a commit
-This is the most important thing to know about Git!
-Hogbin-Westby:
-- working directory: what can be seen (in the file explorer)
-- staging area: the difference of what is stored and what is seen (WHAT HAS BEEN MARKED FOR THE NEXT COMMIT)
-- repository: what is stored</a:t>
+              <a:t>TODO : better explain this with a git graph displayed like here:
+https://stackoverflow.com/questions/3528245/whats-the-difference-between-git-reset-mixed-soft-and-hard
+# Undoing committed changes
+Clean working directory required!
+To **undo committed changes**, there several options (some are available in gitk):
+- Revert the commit, i.e., create a new commit to undo changes: `git revert COMMIT_SHA --no-edit`
+- Undo the commit and leave the changes in the staging area: `git reset --soft COMMIT_SHA` (*)
+- Stage changes, and run `git commit --amend` to modify the last commit (*)
+If you have the time, try the different undo operations in the session.
+(*) Important: only amend commits that are not yet shared with the team. Otherwise, revert is preferred.</a:t>
             </a:r>
             <a:endParaRPr lang="en-US" dirty="0"/>
           </a:p>
@@ -888,7 +882,7 @@
           <a:p>
             <a:r>
               <a:rPr lang="en-US" dirty="0"/>
-              <a:t/>
+              <a:t>- If the remote repository does not exist, you have to add the remote origin and push the repository</a:t>
             </a:r>
             <a:endParaRPr lang="en-US" dirty="0"/>
           </a:p>
@@ -976,20 +970,7 @@
           <a:p>
             <a:r>
               <a:rPr lang="en-US" dirty="0"/>
-              <a:t>TBD/do not cover?
-    Demo:
-    - setup a git repository, create a file (explain the working directory), add the changes (explain the staging area), create a commit
-    - inspect the commit (the internal git objects / history):
-    git log
-    - commit ID (sha)
-    - HEAD points to the main branch. (aha)
-    git cat-file -p ENTER_COMMIT
-    - go through the information (if any of that information changes, the fingerprint of the commit changes)
-    - you see that git handles all objects (files, trees, commits) by their fingerprint.
-    git cat-file -p (TREE)
-    git cat-file -p (FILE)
-    - if git handles everything through fingerprints, it checks whether the file or tree is already in the database.
----</a:t>
+              <a:t/>
             </a:r>
             <a:endParaRPr lang="en-US" dirty="0"/>
           </a:p>
@@ -1077,7 +1058,9 @@
           <a:p>
             <a:r>
               <a:rPr lang="en-US" dirty="0"/>
-              <a:t/>
+              <a:t>- In the fork, it is recommended to create working branches instead of committing to the `main` branch.
+- It is good practice to regularly **sync** the `main` branches (on GitHub), and merge the changes into your working branches (locally or on GitHub).
+- Syncing changes may be necessary to get bugfixes from the original repository, and to prevent diverging histories (potential merge conflicts in the pull request).</a:t>
             </a:r>
             <a:endParaRPr lang="en-US" dirty="0"/>
           </a:p>
@@ -1119,194 +1102,7 @@
 </p:notes>
 </file>
 
-<file path=ppt/notesSlides/notesSlide16.xml><?xml version="1.0" encoding="utf-8"?>
-<p:notes xmlns:a="http://schemas.openxmlformats.org/drawingml/2006/main" xmlns:r="http://schemas.openxmlformats.org/officeDocument/2006/relationships" xmlns:p="http://schemas.openxmlformats.org/presentationml/2006/main">
-  <p:cSld>
-    <p:spTree>
-      <p:nvGrpSpPr>
-        <p:cNvPr id="1" name=""/>
-        <p:cNvGrpSpPr/>
-        <p:nvPr/>
-      </p:nvGrpSpPr>
-      <p:grpSpPr>
-        <a:xfrm>
-          <a:off x="0" y="0"/>
-          <a:ext cx="0" cy="0"/>
-          <a:chOff x="0" y="0"/>
-          <a:chExt cx="0" cy="0"/>
-        </a:xfrm>
-      </p:grpSpPr>
-      <p:sp>
-        <p:nvSpPr>
-          <p:cNvPr id="2" name="Slide Image Placeholder 1"/>
-          <p:cNvSpPr>
-            <a:spLocks noGrp="1" noRot="1" noChangeAspect="1"/>
-          </p:cNvSpPr>
-          <p:nvPr>
-            <p:ph type="sldImg"/>
-          </p:nvPr>
-        </p:nvSpPr>
-        <p:spPr/>
-      </p:sp>
-      <p:sp>
-        <p:nvSpPr>
-          <p:cNvPr id="3" name="Notes Placeholder 2"/>
-          <p:cNvSpPr>
-            <a:spLocks noGrp="1"/>
-          </p:cNvSpPr>
-          <p:nvPr>
-            <p:ph type="body" idx="1"/>
-          </p:nvPr>
-        </p:nvSpPr>
-        <p:spPr/>
-        <p:txBody>
-          <a:bodyPr/>
-          <a:lstStyle/>
-          <a:p>
-            <a:r>
-              <a:rPr lang="en-US" dirty="0"/>
-              <a:t>HEAD~
-shorthand for
-HEAD~1
-TODO : how to test/demonstrate undoing an error?
--&gt; This would be important to practice!!!</a:t>
-            </a:r>
-            <a:endParaRPr lang="en-US" dirty="0"/>
-          </a:p>
-        </p:txBody>
-      </p:sp>
-      <p:sp>
-        <p:nvSpPr>
-          <p:cNvPr id="4" name="Slide Number Placeholder 3"/>
-          <p:cNvSpPr>
-            <a:spLocks noGrp="1"/>
-          </p:cNvSpPr>
-          <p:nvPr>
-            <p:ph type="sldNum" sz="quarter" idx="10"/>
-          </p:nvPr>
-        </p:nvSpPr>
-        <p:spPr/>
-        <p:txBody>
-          <a:bodyPr/>
-          <a:lstStyle/>
-          <a:p>
-            <a:fld id="{F7021451-1387-4CA6-816F-3879F97B5CBC}" type="slidenum">
-              <a:rPr lang="en-US"/>
-              <a:t>16</a:t>
-            </a:fld>
-            <a:endParaRPr lang="en-US"/>
-          </a:p>
-        </p:txBody>
-      </p:sp>
-    </p:spTree>
-    <p:extLst>
-      <p:ext uri="{BB962C8B-B14F-4D97-AF65-F5344CB8AC3E}">
-        <p14:creationId xmlns:p14="http://schemas.microsoft.com/office/powerpoint/2010/main" val="1024086991"/>
-      </p:ext>
-    </p:extLst>
-  </p:cSld>
-  <p:clrMapOvr>
-    <a:masterClrMapping/>
-  </p:clrMapOvr>
-</p:notes>
-</file>
-
-<file path=ppt/notesSlides/notesSlide17.xml><?xml version="1.0" encoding="utf-8"?>
-<p:notes xmlns:a="http://schemas.openxmlformats.org/drawingml/2006/main" xmlns:r="http://schemas.openxmlformats.org/officeDocument/2006/relationships" xmlns:p="http://schemas.openxmlformats.org/presentationml/2006/main">
-  <p:cSld>
-    <p:spTree>
-      <p:nvGrpSpPr>
-        <p:cNvPr id="1" name=""/>
-        <p:cNvGrpSpPr/>
-        <p:nvPr/>
-      </p:nvGrpSpPr>
-      <p:grpSpPr>
-        <a:xfrm>
-          <a:off x="0" y="0"/>
-          <a:ext cx="0" cy="0"/>
-          <a:chOff x="0" y="0"/>
-          <a:chExt cx="0" cy="0"/>
-        </a:xfrm>
-      </p:grpSpPr>
-      <p:sp>
-        <p:nvSpPr>
-          <p:cNvPr id="2" name="Slide Image Placeholder 1"/>
-          <p:cNvSpPr>
-            <a:spLocks noGrp="1" noRot="1" noChangeAspect="1"/>
-          </p:cNvSpPr>
-          <p:nvPr>
-            <p:ph type="sldImg"/>
-          </p:nvPr>
-        </p:nvSpPr>
-        <p:spPr/>
-      </p:sp>
-      <p:sp>
-        <p:nvSpPr>
-          <p:cNvPr id="3" name="Notes Placeholder 2"/>
-          <p:cNvSpPr>
-            <a:spLocks noGrp="1"/>
-          </p:cNvSpPr>
-          <p:nvPr>
-            <p:ph type="body" idx="1"/>
-          </p:nvPr>
-        </p:nvSpPr>
-        <p:spPr/>
-        <p:txBody>
-          <a:bodyPr/>
-          <a:lstStyle/>
-          <a:p>
-            <a:r>
-              <a:rPr lang="en-US" dirty="0"/>
-              <a:t>Do you see any challenges?
-- Try to reproduce the situation
-(stash)
-git questions: understand linearized git history displayed on github / reading gitk DAG
-Illustrate on the whiteboard : new/alternative commit with the same parent, all following commits are applied on top of the new commit
-- commit shas change!
-- Refer to the slide on commits
-- Maybe even illustrate</a:t>
-            </a:r>
-            <a:endParaRPr lang="en-US" dirty="0"/>
-          </a:p>
-        </p:txBody>
-      </p:sp>
-      <p:sp>
-        <p:nvSpPr>
-          <p:cNvPr id="4" name="Slide Number Placeholder 3"/>
-          <p:cNvSpPr>
-            <a:spLocks noGrp="1"/>
-          </p:cNvSpPr>
-          <p:nvPr>
-            <p:ph type="sldNum" sz="quarter" idx="10"/>
-          </p:nvPr>
-        </p:nvSpPr>
-        <p:spPr/>
-        <p:txBody>
-          <a:bodyPr/>
-          <a:lstStyle/>
-          <a:p>
-            <a:fld id="{F7021451-1387-4CA6-816F-3879F97B5CBC}" type="slidenum">
-              <a:rPr lang="en-US"/>
-              <a:t>17</a:t>
-            </a:fld>
-            <a:endParaRPr lang="en-US"/>
-          </a:p>
-        </p:txBody>
-      </p:sp>
-    </p:spTree>
-    <p:extLst>
-      <p:ext uri="{BB962C8B-B14F-4D97-AF65-F5344CB8AC3E}">
-        <p14:creationId xmlns:p14="http://schemas.microsoft.com/office/powerpoint/2010/main" val="1024086991"/>
-      </p:ext>
-    </p:extLst>
-  </p:cSld>
-  <p:clrMapOvr>
-    <a:masterClrMapping/>
-  </p:clrMapOvr>
-</p:notes>
-</file>
-
-<file path=ppt/notesSlides/notesSlide18.xml><?xml version="1.0" encoding="utf-8"?>
+<file path=ppt/notesSlides/notesSlide2.xml><?xml version="1.0" encoding="utf-8"?>
 <p:notes xmlns:a="http://schemas.openxmlformats.org/drawingml/2006/main" xmlns:r="http://schemas.openxmlformats.org/officeDocument/2006/relationships" xmlns:p="http://schemas.openxmlformats.org/presentationml/2006/main">
   <p:cSld>
     <p:spTree>
@@ -1375,711 +1171,7 @@
           <a:p>
             <a:fld id="{F7021451-1387-4CA6-816F-3879F97B5CBC}" type="slidenum">
               <a:rPr lang="en-US"/>
-              <a:t>18</a:t>
-            </a:fld>
-            <a:endParaRPr lang="en-US"/>
-          </a:p>
-        </p:txBody>
-      </p:sp>
-    </p:spTree>
-    <p:extLst>
-      <p:ext uri="{BB962C8B-B14F-4D97-AF65-F5344CB8AC3E}">
-        <p14:creationId xmlns:p14="http://schemas.microsoft.com/office/powerpoint/2010/main" val="1024086991"/>
-      </p:ext>
-    </p:extLst>
-  </p:cSld>
-  <p:clrMapOvr>
-    <a:masterClrMapping/>
-  </p:clrMapOvr>
-</p:notes>
-</file>
-
-<file path=ppt/notesSlides/notesSlide19.xml><?xml version="1.0" encoding="utf-8"?>
-<p:notes xmlns:a="http://schemas.openxmlformats.org/drawingml/2006/main" xmlns:r="http://schemas.openxmlformats.org/officeDocument/2006/relationships" xmlns:p="http://schemas.openxmlformats.org/presentationml/2006/main">
-  <p:cSld>
-    <p:spTree>
-      <p:nvGrpSpPr>
-        <p:cNvPr id="1" name=""/>
-        <p:cNvGrpSpPr/>
-        <p:nvPr/>
-      </p:nvGrpSpPr>
-      <p:grpSpPr>
-        <a:xfrm>
-          <a:off x="0" y="0"/>
-          <a:ext cx="0" cy="0"/>
-          <a:chOff x="0" y="0"/>
-          <a:chExt cx="0" cy="0"/>
-        </a:xfrm>
-      </p:grpSpPr>
-      <p:sp>
-        <p:nvSpPr>
-          <p:cNvPr id="2" name="Slide Image Placeholder 1"/>
-          <p:cNvSpPr>
-            <a:spLocks noGrp="1" noRot="1" noChangeAspect="1"/>
-          </p:cNvSpPr>
-          <p:nvPr>
-            <p:ph type="sldImg"/>
-          </p:nvPr>
-        </p:nvSpPr>
-        <p:spPr/>
-      </p:sp>
-      <p:sp>
-        <p:nvSpPr>
-          <p:cNvPr id="3" name="Notes Placeholder 2"/>
-          <p:cNvSpPr>
-            <a:spLocks noGrp="1"/>
-          </p:cNvSpPr>
-          <p:nvPr>
-            <p:ph type="body" idx="1"/>
-          </p:nvPr>
-        </p:nvSpPr>
-        <p:spPr/>
-        <p:txBody>
-          <a:bodyPr/>
-          <a:lstStyle/>
-          <a:p>
-            <a:r>
-              <a:rPr lang="en-US" dirty="0"/>
-              <a:t/>
-            </a:r>
-            <a:endParaRPr lang="en-US" dirty="0"/>
-          </a:p>
-        </p:txBody>
-      </p:sp>
-      <p:sp>
-        <p:nvSpPr>
-          <p:cNvPr id="4" name="Slide Number Placeholder 3"/>
-          <p:cNvSpPr>
-            <a:spLocks noGrp="1"/>
-          </p:cNvSpPr>
-          <p:nvPr>
-            <p:ph type="sldNum" sz="quarter" idx="10"/>
-          </p:nvPr>
-        </p:nvSpPr>
-        <p:spPr/>
-        <p:txBody>
-          <a:bodyPr/>
-          <a:lstStyle/>
-          <a:p>
-            <a:fld id="{F7021451-1387-4CA6-816F-3879F97B5CBC}" type="slidenum">
-              <a:rPr lang="en-US"/>
-              <a:t>19</a:t>
-            </a:fld>
-            <a:endParaRPr lang="en-US"/>
-          </a:p>
-        </p:txBody>
-      </p:sp>
-    </p:spTree>
-    <p:extLst>
-      <p:ext uri="{BB962C8B-B14F-4D97-AF65-F5344CB8AC3E}">
-        <p14:creationId xmlns:p14="http://schemas.microsoft.com/office/powerpoint/2010/main" val="1024086991"/>
-      </p:ext>
-    </p:extLst>
-  </p:cSld>
-  <p:clrMapOvr>
-    <a:masterClrMapping/>
-  </p:clrMapOvr>
-</p:notes>
-</file>
-
-<file path=ppt/notesSlides/notesSlide2.xml><?xml version="1.0" encoding="utf-8"?>
-<p:notes xmlns:a="http://schemas.openxmlformats.org/drawingml/2006/main" xmlns:r="http://schemas.openxmlformats.org/officeDocument/2006/relationships" xmlns:p="http://schemas.openxmlformats.org/presentationml/2006/main">
-  <p:cSld>
-    <p:spTree>
-      <p:nvGrpSpPr>
-        <p:cNvPr id="1" name=""/>
-        <p:cNvGrpSpPr/>
-        <p:nvPr/>
-      </p:nvGrpSpPr>
-      <p:grpSpPr>
-        <a:xfrm>
-          <a:off x="0" y="0"/>
-          <a:ext cx="0" cy="0"/>
-          <a:chOff x="0" y="0"/>
-          <a:chExt cx="0" cy="0"/>
-        </a:xfrm>
-      </p:grpSpPr>
-      <p:sp>
-        <p:nvSpPr>
-          <p:cNvPr id="2" name="Slide Image Placeholder 1"/>
-          <p:cNvSpPr>
-            <a:spLocks noGrp="1" noRot="1" noChangeAspect="1"/>
-          </p:cNvSpPr>
-          <p:nvPr>
-            <p:ph type="sldImg"/>
-          </p:nvPr>
-        </p:nvSpPr>
-        <p:spPr/>
-      </p:sp>
-      <p:sp>
-        <p:nvSpPr>
-          <p:cNvPr id="3" name="Notes Placeholder 2"/>
-          <p:cNvSpPr>
-            <a:spLocks noGrp="1"/>
-          </p:cNvSpPr>
-          <p:nvPr>
-            <p:ph type="body" idx="1"/>
-          </p:nvPr>
-        </p:nvSpPr>
-        <p:spPr/>
-        <p:txBody>
-          <a:bodyPr/>
-          <a:lstStyle/>
-          <a:p>
-            <a:r>
-              <a:rPr lang="en-US" dirty="0"/>
-              <a:t/>
-            </a:r>
-            <a:endParaRPr lang="en-US" dirty="0"/>
-          </a:p>
-        </p:txBody>
-      </p:sp>
-      <p:sp>
-        <p:nvSpPr>
-          <p:cNvPr id="4" name="Slide Number Placeholder 3"/>
-          <p:cNvSpPr>
-            <a:spLocks noGrp="1"/>
-          </p:cNvSpPr>
-          <p:nvPr>
-            <p:ph type="sldNum" sz="quarter" idx="10"/>
-          </p:nvPr>
-        </p:nvSpPr>
-        <p:spPr/>
-        <p:txBody>
-          <a:bodyPr/>
-          <a:lstStyle/>
-          <a:p>
-            <a:fld id="{F7021451-1387-4CA6-816F-3879F97B5CBC}" type="slidenum">
-              <a:rPr lang="en-US"/>
               <a:t>2</a:t>
-            </a:fld>
-            <a:endParaRPr lang="en-US"/>
-          </a:p>
-        </p:txBody>
-      </p:sp>
-    </p:spTree>
-    <p:extLst>
-      <p:ext uri="{BB962C8B-B14F-4D97-AF65-F5344CB8AC3E}">
-        <p14:creationId xmlns:p14="http://schemas.microsoft.com/office/powerpoint/2010/main" val="1024086991"/>
-      </p:ext>
-    </p:extLst>
-  </p:cSld>
-  <p:clrMapOvr>
-    <a:masterClrMapping/>
-  </p:clrMapOvr>
-</p:notes>
-</file>
-
-<file path=ppt/notesSlides/notesSlide20.xml><?xml version="1.0" encoding="utf-8"?>
-<p:notes xmlns:a="http://schemas.openxmlformats.org/drawingml/2006/main" xmlns:r="http://schemas.openxmlformats.org/officeDocument/2006/relationships" xmlns:p="http://schemas.openxmlformats.org/presentationml/2006/main">
-  <p:cSld>
-    <p:spTree>
-      <p:nvGrpSpPr>
-        <p:cNvPr id="1" name=""/>
-        <p:cNvGrpSpPr/>
-        <p:nvPr/>
-      </p:nvGrpSpPr>
-      <p:grpSpPr>
-        <a:xfrm>
-          <a:off x="0" y="0"/>
-          <a:ext cx="0" cy="0"/>
-          <a:chOff x="0" y="0"/>
-          <a:chExt cx="0" cy="0"/>
-        </a:xfrm>
-      </p:grpSpPr>
-      <p:sp>
-        <p:nvSpPr>
-          <p:cNvPr id="2" name="Slide Image Placeholder 1"/>
-          <p:cNvSpPr>
-            <a:spLocks noGrp="1" noRot="1" noChangeAspect="1"/>
-          </p:cNvSpPr>
-          <p:nvPr>
-            <p:ph type="sldImg"/>
-          </p:nvPr>
-        </p:nvSpPr>
-        <p:spPr/>
-      </p:sp>
-      <p:sp>
-        <p:nvSpPr>
-          <p:cNvPr id="3" name="Notes Placeholder 2"/>
-          <p:cNvSpPr>
-            <a:spLocks noGrp="1"/>
-          </p:cNvSpPr>
-          <p:nvPr>
-            <p:ph type="body" idx="1"/>
-          </p:nvPr>
-        </p:nvSpPr>
-        <p:spPr/>
-        <p:txBody>
-          <a:bodyPr/>
-          <a:lstStyle/>
-          <a:p>
-            <a:r>
-              <a:rPr lang="en-US" dirty="0"/>
-              <a:t/>
-            </a:r>
-            <a:endParaRPr lang="en-US" dirty="0"/>
-          </a:p>
-        </p:txBody>
-      </p:sp>
-      <p:sp>
-        <p:nvSpPr>
-          <p:cNvPr id="4" name="Slide Number Placeholder 3"/>
-          <p:cNvSpPr>
-            <a:spLocks noGrp="1"/>
-          </p:cNvSpPr>
-          <p:nvPr>
-            <p:ph type="sldNum" sz="quarter" idx="10"/>
-          </p:nvPr>
-        </p:nvSpPr>
-        <p:spPr/>
-        <p:txBody>
-          <a:bodyPr/>
-          <a:lstStyle/>
-          <a:p>
-            <a:fld id="{F7021451-1387-4CA6-816F-3879F97B5CBC}" type="slidenum">
-              <a:rPr lang="en-US"/>
-              <a:t>20</a:t>
-            </a:fld>
-            <a:endParaRPr lang="en-US"/>
-          </a:p>
-        </p:txBody>
-      </p:sp>
-    </p:spTree>
-    <p:extLst>
-      <p:ext uri="{BB962C8B-B14F-4D97-AF65-F5344CB8AC3E}">
-        <p14:creationId xmlns:p14="http://schemas.microsoft.com/office/powerpoint/2010/main" val="1024086991"/>
-      </p:ext>
-    </p:extLst>
-  </p:cSld>
-  <p:clrMapOvr>
-    <a:masterClrMapping/>
-  </p:clrMapOvr>
-</p:notes>
-</file>
-
-<file path=ppt/notesSlides/notesSlide21.xml><?xml version="1.0" encoding="utf-8"?>
-<p:notes xmlns:a="http://schemas.openxmlformats.org/drawingml/2006/main" xmlns:r="http://schemas.openxmlformats.org/officeDocument/2006/relationships" xmlns:p="http://schemas.openxmlformats.org/presentationml/2006/main">
-  <p:cSld>
-    <p:spTree>
-      <p:nvGrpSpPr>
-        <p:cNvPr id="1" name=""/>
-        <p:cNvGrpSpPr/>
-        <p:nvPr/>
-      </p:nvGrpSpPr>
-      <p:grpSpPr>
-        <a:xfrm>
-          <a:off x="0" y="0"/>
-          <a:ext cx="0" cy="0"/>
-          <a:chOff x="0" y="0"/>
-          <a:chExt cx="0" cy="0"/>
-        </a:xfrm>
-      </p:grpSpPr>
-      <p:sp>
-        <p:nvSpPr>
-          <p:cNvPr id="2" name="Slide Image Placeholder 1"/>
-          <p:cNvSpPr>
-            <a:spLocks noGrp="1" noRot="1" noChangeAspect="1"/>
-          </p:cNvSpPr>
-          <p:nvPr>
-            <p:ph type="sldImg"/>
-          </p:nvPr>
-        </p:nvSpPr>
-        <p:spPr/>
-      </p:sp>
-      <p:sp>
-        <p:nvSpPr>
-          <p:cNvPr id="3" name="Notes Placeholder 2"/>
-          <p:cNvSpPr>
-            <a:spLocks noGrp="1"/>
-          </p:cNvSpPr>
-          <p:nvPr>
-            <p:ph type="body" idx="1"/>
-          </p:nvPr>
-        </p:nvSpPr>
-        <p:spPr/>
-        <p:txBody>
-          <a:bodyPr/>
-          <a:lstStyle/>
-          <a:p>
-            <a:r>
-              <a:rPr lang="en-US" dirty="0"/>
-              <a:t/>
-            </a:r>
-            <a:endParaRPr lang="en-US" dirty="0"/>
-          </a:p>
-        </p:txBody>
-      </p:sp>
-      <p:sp>
-        <p:nvSpPr>
-          <p:cNvPr id="4" name="Slide Number Placeholder 3"/>
-          <p:cNvSpPr>
-            <a:spLocks noGrp="1"/>
-          </p:cNvSpPr>
-          <p:nvPr>
-            <p:ph type="sldNum" sz="quarter" idx="10"/>
-          </p:nvPr>
-        </p:nvSpPr>
-        <p:spPr/>
-        <p:txBody>
-          <a:bodyPr/>
-          <a:lstStyle/>
-          <a:p>
-            <a:fld id="{F7021451-1387-4CA6-816F-3879F97B5CBC}" type="slidenum">
-              <a:rPr lang="en-US"/>
-              <a:t>21</a:t>
-            </a:fld>
-            <a:endParaRPr lang="en-US"/>
-          </a:p>
-        </p:txBody>
-      </p:sp>
-    </p:spTree>
-    <p:extLst>
-      <p:ext uri="{BB962C8B-B14F-4D97-AF65-F5344CB8AC3E}">
-        <p14:creationId xmlns:p14="http://schemas.microsoft.com/office/powerpoint/2010/main" val="1024086991"/>
-      </p:ext>
-    </p:extLst>
-  </p:cSld>
-  <p:clrMapOvr>
-    <a:masterClrMapping/>
-  </p:clrMapOvr>
-</p:notes>
-</file>
-
-<file path=ppt/notesSlides/notesSlide22.xml><?xml version="1.0" encoding="utf-8"?>
-<p:notes xmlns:a="http://schemas.openxmlformats.org/drawingml/2006/main" xmlns:r="http://schemas.openxmlformats.org/officeDocument/2006/relationships" xmlns:p="http://schemas.openxmlformats.org/presentationml/2006/main">
-  <p:cSld>
-    <p:spTree>
-      <p:nvGrpSpPr>
-        <p:cNvPr id="1" name=""/>
-        <p:cNvGrpSpPr/>
-        <p:nvPr/>
-      </p:nvGrpSpPr>
-      <p:grpSpPr>
-        <a:xfrm>
-          <a:off x="0" y="0"/>
-          <a:ext cx="0" cy="0"/>
-          <a:chOff x="0" y="0"/>
-          <a:chExt cx="0" cy="0"/>
-        </a:xfrm>
-      </p:grpSpPr>
-      <p:sp>
-        <p:nvSpPr>
-          <p:cNvPr id="2" name="Slide Image Placeholder 1"/>
-          <p:cNvSpPr>
-            <a:spLocks noGrp="1" noRot="1" noChangeAspect="1"/>
-          </p:cNvSpPr>
-          <p:nvPr>
-            <p:ph type="sldImg"/>
-          </p:nvPr>
-        </p:nvSpPr>
-        <p:spPr/>
-      </p:sp>
-      <p:sp>
-        <p:nvSpPr>
-          <p:cNvPr id="3" name="Notes Placeholder 2"/>
-          <p:cNvSpPr>
-            <a:spLocks noGrp="1"/>
-          </p:cNvSpPr>
-          <p:nvPr>
-            <p:ph type="body" idx="1"/>
-          </p:nvPr>
-        </p:nvSpPr>
-        <p:spPr/>
-        <p:txBody>
-          <a:bodyPr/>
-          <a:lstStyle/>
-          <a:p>
-            <a:r>
-              <a:rPr lang="en-US" dirty="0"/>
-              <a:t/>
-            </a:r>
-            <a:endParaRPr lang="en-US" dirty="0"/>
-          </a:p>
-        </p:txBody>
-      </p:sp>
-      <p:sp>
-        <p:nvSpPr>
-          <p:cNvPr id="4" name="Slide Number Placeholder 3"/>
-          <p:cNvSpPr>
-            <a:spLocks noGrp="1"/>
-          </p:cNvSpPr>
-          <p:nvPr>
-            <p:ph type="sldNum" sz="quarter" idx="10"/>
-          </p:nvPr>
-        </p:nvSpPr>
-        <p:spPr/>
-        <p:txBody>
-          <a:bodyPr/>
-          <a:lstStyle/>
-          <a:p>
-            <a:fld id="{F7021451-1387-4CA6-816F-3879F97B5CBC}" type="slidenum">
-              <a:rPr lang="en-US"/>
-              <a:t>22</a:t>
-            </a:fld>
-            <a:endParaRPr lang="en-US"/>
-          </a:p>
-        </p:txBody>
-      </p:sp>
-    </p:spTree>
-    <p:extLst>
-      <p:ext uri="{BB962C8B-B14F-4D97-AF65-F5344CB8AC3E}">
-        <p14:creationId xmlns:p14="http://schemas.microsoft.com/office/powerpoint/2010/main" val="1024086991"/>
-      </p:ext>
-    </p:extLst>
-  </p:cSld>
-  <p:clrMapOvr>
-    <a:masterClrMapping/>
-  </p:clrMapOvr>
-</p:notes>
-</file>
-
-<file path=ppt/notesSlides/notesSlide23.xml><?xml version="1.0" encoding="utf-8"?>
-<p:notes xmlns:a="http://schemas.openxmlformats.org/drawingml/2006/main" xmlns:r="http://schemas.openxmlformats.org/officeDocument/2006/relationships" xmlns:p="http://schemas.openxmlformats.org/presentationml/2006/main">
-  <p:cSld>
-    <p:spTree>
-      <p:nvGrpSpPr>
-        <p:cNvPr id="1" name=""/>
-        <p:cNvGrpSpPr/>
-        <p:nvPr/>
-      </p:nvGrpSpPr>
-      <p:grpSpPr>
-        <a:xfrm>
-          <a:off x="0" y="0"/>
-          <a:ext cx="0" cy="0"/>
-          <a:chOff x="0" y="0"/>
-          <a:chExt cx="0" cy="0"/>
-        </a:xfrm>
-      </p:grpSpPr>
-      <p:sp>
-        <p:nvSpPr>
-          <p:cNvPr id="2" name="Slide Image Placeholder 1"/>
-          <p:cNvSpPr>
-            <a:spLocks noGrp="1" noRot="1" noChangeAspect="1"/>
-          </p:cNvSpPr>
-          <p:nvPr>
-            <p:ph type="sldImg"/>
-          </p:nvPr>
-        </p:nvSpPr>
-        <p:spPr/>
-      </p:sp>
-      <p:sp>
-        <p:nvSpPr>
-          <p:cNvPr id="3" name="Notes Placeholder 2"/>
-          <p:cNvSpPr>
-            <a:spLocks noGrp="1"/>
-          </p:cNvSpPr>
-          <p:nvPr>
-            <p:ph type="body" idx="1"/>
-          </p:nvPr>
-        </p:nvSpPr>
-        <p:spPr/>
-        <p:txBody>
-          <a:bodyPr/>
-          <a:lstStyle/>
-          <a:p>
-            <a:r>
-              <a:rPr lang="en-US" dirty="0"/>
-              <a:t/>
-            </a:r>
-            <a:endParaRPr lang="en-US" dirty="0"/>
-          </a:p>
-        </p:txBody>
-      </p:sp>
-      <p:sp>
-        <p:nvSpPr>
-          <p:cNvPr id="4" name="Slide Number Placeholder 3"/>
-          <p:cNvSpPr>
-            <a:spLocks noGrp="1"/>
-          </p:cNvSpPr>
-          <p:nvPr>
-            <p:ph type="sldNum" sz="quarter" idx="10"/>
-          </p:nvPr>
-        </p:nvSpPr>
-        <p:spPr/>
-        <p:txBody>
-          <a:bodyPr/>
-          <a:lstStyle/>
-          <a:p>
-            <a:fld id="{F7021451-1387-4CA6-816F-3879F97B5CBC}" type="slidenum">
-              <a:rPr lang="en-US"/>
-              <a:t>23</a:t>
-            </a:fld>
-            <a:endParaRPr lang="en-US"/>
-          </a:p>
-        </p:txBody>
-      </p:sp>
-    </p:spTree>
-    <p:extLst>
-      <p:ext uri="{BB962C8B-B14F-4D97-AF65-F5344CB8AC3E}">
-        <p14:creationId xmlns:p14="http://schemas.microsoft.com/office/powerpoint/2010/main" val="1024086991"/>
-      </p:ext>
-    </p:extLst>
-  </p:cSld>
-  <p:clrMapOvr>
-    <a:masterClrMapping/>
-  </p:clrMapOvr>
-</p:notes>
-</file>
-
-<file path=ppt/notesSlides/notesSlide24.xml><?xml version="1.0" encoding="utf-8"?>
-<p:notes xmlns:a="http://schemas.openxmlformats.org/drawingml/2006/main" xmlns:r="http://schemas.openxmlformats.org/officeDocument/2006/relationships" xmlns:p="http://schemas.openxmlformats.org/presentationml/2006/main">
-  <p:cSld>
-    <p:spTree>
-      <p:nvGrpSpPr>
-        <p:cNvPr id="1" name=""/>
-        <p:cNvGrpSpPr/>
-        <p:nvPr/>
-      </p:nvGrpSpPr>
-      <p:grpSpPr>
-        <a:xfrm>
-          <a:off x="0" y="0"/>
-          <a:ext cx="0" cy="0"/>
-          <a:chOff x="0" y="0"/>
-          <a:chExt cx="0" cy="0"/>
-        </a:xfrm>
-      </p:grpSpPr>
-      <p:sp>
-        <p:nvSpPr>
-          <p:cNvPr id="2" name="Slide Image Placeholder 1"/>
-          <p:cNvSpPr>
-            <a:spLocks noGrp="1" noRot="1" noChangeAspect="1"/>
-          </p:cNvSpPr>
-          <p:nvPr>
-            <p:ph type="sldImg"/>
-          </p:nvPr>
-        </p:nvSpPr>
-        <p:spPr/>
-      </p:sp>
-      <p:sp>
-        <p:nvSpPr>
-          <p:cNvPr id="3" name="Notes Placeholder 2"/>
-          <p:cNvSpPr>
-            <a:spLocks noGrp="1"/>
-          </p:cNvSpPr>
-          <p:nvPr>
-            <p:ph type="body" idx="1"/>
-          </p:nvPr>
-        </p:nvSpPr>
-        <p:spPr/>
-        <p:txBody>
-          <a:bodyPr/>
-          <a:lstStyle/>
-          <a:p>
-            <a:r>
-              <a:rPr lang="en-US" dirty="0"/>
-              <a:t/>
-            </a:r>
-            <a:endParaRPr lang="en-US" dirty="0"/>
-          </a:p>
-        </p:txBody>
-      </p:sp>
-      <p:sp>
-        <p:nvSpPr>
-          <p:cNvPr id="4" name="Slide Number Placeholder 3"/>
-          <p:cNvSpPr>
-            <a:spLocks noGrp="1"/>
-          </p:cNvSpPr>
-          <p:nvPr>
-            <p:ph type="sldNum" sz="quarter" idx="10"/>
-          </p:nvPr>
-        </p:nvSpPr>
-        <p:spPr/>
-        <p:txBody>
-          <a:bodyPr/>
-          <a:lstStyle/>
-          <a:p>
-            <a:fld id="{F7021451-1387-4CA6-816F-3879F97B5CBC}" type="slidenum">
-              <a:rPr lang="en-US"/>
-              <a:t>24</a:t>
-            </a:fld>
-            <a:endParaRPr lang="en-US"/>
-          </a:p>
-        </p:txBody>
-      </p:sp>
-    </p:spTree>
-    <p:extLst>
-      <p:ext uri="{BB962C8B-B14F-4D97-AF65-F5344CB8AC3E}">
-        <p14:creationId xmlns:p14="http://schemas.microsoft.com/office/powerpoint/2010/main" val="1024086991"/>
-      </p:ext>
-    </p:extLst>
-  </p:cSld>
-  <p:clrMapOvr>
-    <a:masterClrMapping/>
-  </p:clrMapOvr>
-</p:notes>
-</file>
-
-<file path=ppt/notesSlides/notesSlide25.xml><?xml version="1.0" encoding="utf-8"?>
-<p:notes xmlns:a="http://schemas.openxmlformats.org/drawingml/2006/main" xmlns:r="http://schemas.openxmlformats.org/officeDocument/2006/relationships" xmlns:p="http://schemas.openxmlformats.org/presentationml/2006/main">
-  <p:cSld>
-    <p:spTree>
-      <p:nvGrpSpPr>
-        <p:cNvPr id="1" name=""/>
-        <p:cNvGrpSpPr/>
-        <p:nvPr/>
-      </p:nvGrpSpPr>
-      <p:grpSpPr>
-        <a:xfrm>
-          <a:off x="0" y="0"/>
-          <a:ext cx="0" cy="0"/>
-          <a:chOff x="0" y="0"/>
-          <a:chExt cx="0" cy="0"/>
-        </a:xfrm>
-      </p:grpSpPr>
-      <p:sp>
-        <p:nvSpPr>
-          <p:cNvPr id="2" name="Slide Image Placeholder 1"/>
-          <p:cNvSpPr>
-            <a:spLocks noGrp="1" noRot="1" noChangeAspect="1"/>
-          </p:cNvSpPr>
-          <p:nvPr>
-            <p:ph type="sldImg"/>
-          </p:nvPr>
-        </p:nvSpPr>
-        <p:spPr/>
-      </p:sp>
-      <p:sp>
-        <p:nvSpPr>
-          <p:cNvPr id="3" name="Notes Placeholder 2"/>
-          <p:cNvSpPr>
-            <a:spLocks noGrp="1"/>
-          </p:cNvSpPr>
-          <p:nvPr>
-            <p:ph type="body" idx="1"/>
-          </p:nvPr>
-        </p:nvSpPr>
-        <p:spPr/>
-        <p:txBody>
-          <a:bodyPr/>
-          <a:lstStyle/>
-          <a:p>
-            <a:r>
-              <a:rPr lang="en-US" dirty="0"/>
-              <a:t/>
-            </a:r>
-            <a:endParaRPr lang="en-US" dirty="0"/>
-          </a:p>
-        </p:txBody>
-      </p:sp>
-      <p:sp>
-        <p:nvSpPr>
-          <p:cNvPr id="4" name="Slide Number Placeholder 3"/>
-          <p:cNvSpPr>
-            <a:spLocks noGrp="1"/>
-          </p:cNvSpPr>
-          <p:nvPr>
-            <p:ph type="sldNum" sz="quarter" idx="10"/>
-          </p:nvPr>
-        </p:nvSpPr>
-        <p:spPr/>
-        <p:txBody>
-          <a:bodyPr/>
-          <a:lstStyle/>
-          <a:p>
-            <a:fld id="{F7021451-1387-4CA6-816F-3879F97B5CBC}" type="slidenum">
-              <a:rPr lang="en-US"/>
-              <a:t>25</a:t>
             </a:fld>
             <a:endParaRPr lang="en-US"/>
           </a:p>
@@ -2332,7 +1424,18 @@
           <a:p>
             <a:r>
               <a:rPr lang="en-US" dirty="0"/>
-              <a:t>Note: demonstrate on the whiteboard
+              <a:t>Demo:
+    - setup a git repository, create a file (explain the working directory), add the changes (explain the staging area), create a commit
+    - inspect the commit (the internal git objects / history):
+    git log
+    - commit ID (sha)
+    - HEAD points to the main branch. (aha)
+    git cat-file -p ENTER_COMMIT
+    - go through the information (if any of that information changes, the fingerprint of the commit changes)
+    - you see that git handles all objects (files, trees, commits) by their fingerprint.
+    git cat-file -p (TREE)
+    git cat-file -p (FILE)
+    - if git handles everything through fingerprints, it checks whether the file or tree is already in the database.
 Author/date/message
 Parent(s)
 Tree-hash
@@ -2568,112 +1671,6 @@
 </file>
 
 <file path=ppt/notesSlides/notesSlide8.xml><?xml version="1.0" encoding="utf-8"?>
-<p:notes xmlns:a="http://schemas.openxmlformats.org/drawingml/2006/main" xmlns:r="http://schemas.openxmlformats.org/officeDocument/2006/relationships" xmlns:p="http://schemas.openxmlformats.org/presentationml/2006/main">
-  <p:cSld>
-    <p:spTree>
-      <p:nvGrpSpPr>
-        <p:cNvPr id="1" name=""/>
-        <p:cNvGrpSpPr/>
-        <p:nvPr/>
-      </p:nvGrpSpPr>
-      <p:grpSpPr>
-        <a:xfrm>
-          <a:off x="0" y="0"/>
-          <a:ext cx="0" cy="0"/>
-          <a:chOff x="0" y="0"/>
-          <a:chExt cx="0" cy="0"/>
-        </a:xfrm>
-      </p:grpSpPr>
-      <p:sp>
-        <p:nvSpPr>
-          <p:cNvPr id="2" name="Slide Image Placeholder 1"/>
-          <p:cNvSpPr>
-            <a:spLocks noGrp="1" noRot="1" noChangeAspect="1"/>
-          </p:cNvSpPr>
-          <p:nvPr>
-            <p:ph type="sldImg"/>
-          </p:nvPr>
-        </p:nvSpPr>
-        <p:spPr/>
-      </p:sp>
-      <p:sp>
-        <p:nvSpPr>
-          <p:cNvPr id="3" name="Notes Placeholder 2"/>
-          <p:cNvSpPr>
-            <a:spLocks noGrp="1"/>
-          </p:cNvSpPr>
-          <p:nvPr>
-            <p:ph type="body" idx="1"/>
-          </p:nvPr>
-        </p:nvSpPr>
-        <p:spPr/>
-        <p:txBody>
-          <a:bodyPr/>
-          <a:lstStyle/>
-          <a:p>
-            <a:r>
-              <a:rPr lang="en-US" dirty="0"/>
-              <a:t>git commit
-git commit
-git checkout c1
-git checkout-b hotfix
-git commit
-git checkout main
-git merge hotfix
-git checkout c1
-git checkout -b dev
-git commit
-git commit
-git checkout c6
-git checkout -b feature
-git commit
-git commit
-git checkout dev
-git merge feature
-git checkout main
-git merge dev</a:t>
-            </a:r>
-            <a:endParaRPr lang="en-US" dirty="0"/>
-          </a:p>
-        </p:txBody>
-      </p:sp>
-      <p:sp>
-        <p:nvSpPr>
-          <p:cNvPr id="4" name="Slide Number Placeholder 3"/>
-          <p:cNvSpPr>
-            <a:spLocks noGrp="1"/>
-          </p:cNvSpPr>
-          <p:nvPr>
-            <p:ph type="sldNum" sz="quarter" idx="10"/>
-          </p:nvPr>
-        </p:nvSpPr>
-        <p:spPr/>
-        <p:txBody>
-          <a:bodyPr/>
-          <a:lstStyle/>
-          <a:p>
-            <a:fld id="{F7021451-1387-4CA6-816F-3879F97B5CBC}" type="slidenum">
-              <a:rPr lang="en-US"/>
-              <a:t>8</a:t>
-            </a:fld>
-            <a:endParaRPr lang="en-US"/>
-          </a:p>
-        </p:txBody>
-      </p:sp>
-    </p:spTree>
-    <p:extLst>
-      <p:ext uri="{BB962C8B-B14F-4D97-AF65-F5344CB8AC3E}">
-        <p14:creationId xmlns:p14="http://schemas.microsoft.com/office/powerpoint/2010/main" val="1024086991"/>
-      </p:ext>
-    </p:extLst>
-  </p:cSld>
-  <p:clrMapOvr>
-    <a:masterClrMapping/>
-  </p:clrMapOvr>
-</p:notes>
-</file>
-
-<file path=ppt/notesSlides/notesSlide9.xml><?xml version="1.0" encoding="utf-8"?>
 <p:notes xmlns:a="http://schemas.openxmlformats.org/drawingml/2006/main" xmlns:r="http://schemas.openxmlformats.org/officeDocument/2006/relationships" xmlns:p="http://schemas.openxmlformats.org/presentationml/2006/main">
   <p:cSld>
     <p:spTree>
@@ -2749,6 +1746,99 @@
 - Wir hatten den ersten Commit schon einmal angelegt und wenn wir jetzt weiter entwickeln können wir einen weiteren Commit anlegen. In jedem Commit wird auch immer gleich festgehalten, welcher Commit der Vorgänger war. Also der "Parent" commit. Wenn Sie einen Git Client nutzen, dann wird Ihnen zu jedem Commit typischerweise nicht der vollständige Inhalt angezeigt, sondern die Änderungen, also das Delta zum Vorgänger. Das sehen Sie bspw. auf Github [zeigen]. Sie sehen auch, dass Git sehr viele Versionen effizient verwalten kann.
 Recap: d.h. wir haben jetzt gesehen, dass Dateien oder Dateiänderungen in drei Zuständen sein können: im Working Directory, in der Staging area, und im Git repository. Sie kennen die Operationen, mit denen wir Änderungen für die nächste Version markieren können und die neue Version anlegen können (git add und commit).
 Wir haben uns auch den entgegengesetzten Weg angesehen - git restore und git restore --staged.</a:t>
+            </a:r>
+            <a:endParaRPr lang="en-US" dirty="0"/>
+          </a:p>
+        </p:txBody>
+      </p:sp>
+      <p:sp>
+        <p:nvSpPr>
+          <p:cNvPr id="4" name="Slide Number Placeholder 3"/>
+          <p:cNvSpPr>
+            <a:spLocks noGrp="1"/>
+          </p:cNvSpPr>
+          <p:nvPr>
+            <p:ph type="sldNum" sz="quarter" idx="10"/>
+          </p:nvPr>
+        </p:nvSpPr>
+        <p:spPr/>
+        <p:txBody>
+          <a:bodyPr/>
+          <a:lstStyle/>
+          <a:p>
+            <a:fld id="{F7021451-1387-4CA6-816F-3879F97B5CBC}" type="slidenum">
+              <a:rPr lang="en-US"/>
+              <a:t>8</a:t>
+            </a:fld>
+            <a:endParaRPr lang="en-US"/>
+          </a:p>
+        </p:txBody>
+      </p:sp>
+    </p:spTree>
+    <p:extLst>
+      <p:ext uri="{BB962C8B-B14F-4D97-AF65-F5344CB8AC3E}">
+        <p14:creationId xmlns:p14="http://schemas.microsoft.com/office/powerpoint/2010/main" val="1024086991"/>
+      </p:ext>
+    </p:extLst>
+  </p:cSld>
+  <p:clrMapOvr>
+    <a:masterClrMapping/>
+  </p:clrMapOvr>
+</p:notes>
+</file>
+
+<file path=ppt/notesSlides/notesSlide9.xml><?xml version="1.0" encoding="utf-8"?>
+<p:notes xmlns:a="http://schemas.openxmlformats.org/drawingml/2006/main" xmlns:r="http://schemas.openxmlformats.org/officeDocument/2006/relationships" xmlns:p="http://schemas.openxmlformats.org/presentationml/2006/main">
+  <p:cSld>
+    <p:spTree>
+      <p:nvGrpSpPr>
+        <p:cNvPr id="1" name=""/>
+        <p:cNvGrpSpPr/>
+        <p:nvPr/>
+      </p:nvGrpSpPr>
+      <p:grpSpPr>
+        <a:xfrm>
+          <a:off x="0" y="0"/>
+          <a:ext cx="0" cy="0"/>
+          <a:chOff x="0" y="0"/>
+          <a:chExt cx="0" cy="0"/>
+        </a:xfrm>
+      </p:grpSpPr>
+      <p:sp>
+        <p:nvSpPr>
+          <p:cNvPr id="2" name="Slide Image Placeholder 1"/>
+          <p:cNvSpPr>
+            <a:spLocks noGrp="1" noRot="1" noChangeAspect="1"/>
+          </p:cNvSpPr>
+          <p:nvPr>
+            <p:ph type="sldImg"/>
+          </p:nvPr>
+        </p:nvSpPr>
+        <p:spPr/>
+      </p:sp>
+      <p:sp>
+        <p:nvSpPr>
+          <p:cNvPr id="3" name="Notes Placeholder 2"/>
+          <p:cNvSpPr>
+            <a:spLocks noGrp="1"/>
+          </p:cNvSpPr>
+          <p:nvPr>
+            <p:ph type="body" idx="1"/>
+          </p:nvPr>
+        </p:nvSpPr>
+        <p:spPr/>
+        <p:txBody>
+          <a:bodyPr/>
+          <a:lstStyle/>
+          <a:p>
+            <a:r>
+              <a:rPr lang="en-US" dirty="0"/>
+              <a:t>Note: there are very few reasons to checkout a commit
+This is the most important thing to know about Git!
+Hogbin-Westby:
+- working directory: what can be seen (in the file explorer)
+- staging area: the difference of what is stored and what is seen (WHAT HAS BEEN MARKED FOR THE NEXT COMMIT)
+- repository: what is stored</a:t>
             </a:r>
             <a:endParaRPr lang="en-US" dirty="0"/>
           </a:p>
@@ -3370,399 +2460,9 @@
 </p:sld>
 </file>
 
-<file path=ppt/slides/slide16.xml><?xml version="1.0" encoding="utf-8"?>
-<p:sld xmlns:a="http://schemas.openxmlformats.org/drawingml/2006/main" xmlns:r="http://schemas.openxmlformats.org/officeDocument/2006/relationships" xmlns:p="http://schemas.openxmlformats.org/presentationml/2006/main">
-  <p:cSld name="Slide 16">
-    <p:bg>
-      <p:bgPr>
-        <a:blipFill dpi="0" rotWithShape="1">
-          <a:blip r:embed="rId1">
-            <a:lum/>
-          </a:blip>
-          <a:srcRect/>
-          <a:stretch>
-            <a:fillRect/>
-          </a:stretch>
-        </a:blipFill>
-        <a:effectLst/>
-      </p:bgPr>
-    </p:bg>
-    <p:spTree>
-      <p:nvGrpSpPr>
-        <p:cNvPr id="1" name=""/>
-        <p:cNvGrpSpPr/>
-        <p:nvPr/>
-      </p:nvGrpSpPr>
-      <p:grpSpPr>
-        <a:xfrm>
-          <a:off x="0" y="0"/>
-          <a:ext cx="0" cy="0"/>
-          <a:chOff x="0" y="0"/>
-          <a:chExt cx="0" cy="0"/>
-        </a:xfrm>
-      </p:grpSpPr>
-    </p:spTree>
-  </p:cSld>
-  <p:clrMapOvr>
-    <a:masterClrMapping/>
-  </p:clrMapOvr>
-</p:sld>
-</file>
-
-<file path=ppt/slides/slide17.xml><?xml version="1.0" encoding="utf-8"?>
-<p:sld xmlns:a="http://schemas.openxmlformats.org/drawingml/2006/main" xmlns:r="http://schemas.openxmlformats.org/officeDocument/2006/relationships" xmlns:p="http://schemas.openxmlformats.org/presentationml/2006/main">
-  <p:cSld name="Slide 17">
-    <p:bg>
-      <p:bgPr>
-        <a:blipFill dpi="0" rotWithShape="1">
-          <a:blip r:embed="rId1">
-            <a:lum/>
-          </a:blip>
-          <a:srcRect/>
-          <a:stretch>
-            <a:fillRect/>
-          </a:stretch>
-        </a:blipFill>
-        <a:effectLst/>
-      </p:bgPr>
-    </p:bg>
-    <p:spTree>
-      <p:nvGrpSpPr>
-        <p:cNvPr id="1" name=""/>
-        <p:cNvGrpSpPr/>
-        <p:nvPr/>
-      </p:nvGrpSpPr>
-      <p:grpSpPr>
-        <a:xfrm>
-          <a:off x="0" y="0"/>
-          <a:ext cx="0" cy="0"/>
-          <a:chOff x="0" y="0"/>
-          <a:chExt cx="0" cy="0"/>
-        </a:xfrm>
-      </p:grpSpPr>
-    </p:spTree>
-  </p:cSld>
-  <p:clrMapOvr>
-    <a:masterClrMapping/>
-  </p:clrMapOvr>
-</p:sld>
-</file>
-
-<file path=ppt/slides/slide18.xml><?xml version="1.0" encoding="utf-8"?>
-<p:sld xmlns:a="http://schemas.openxmlformats.org/drawingml/2006/main" xmlns:r="http://schemas.openxmlformats.org/officeDocument/2006/relationships" xmlns:p="http://schemas.openxmlformats.org/presentationml/2006/main">
-  <p:cSld name="Slide 18">
-    <p:bg>
-      <p:bgPr>
-        <a:blipFill dpi="0" rotWithShape="1">
-          <a:blip r:embed="rId1">
-            <a:lum/>
-          </a:blip>
-          <a:srcRect/>
-          <a:stretch>
-            <a:fillRect/>
-          </a:stretch>
-        </a:blipFill>
-        <a:effectLst/>
-      </p:bgPr>
-    </p:bg>
-    <p:spTree>
-      <p:nvGrpSpPr>
-        <p:cNvPr id="1" name=""/>
-        <p:cNvGrpSpPr/>
-        <p:nvPr/>
-      </p:nvGrpSpPr>
-      <p:grpSpPr>
-        <a:xfrm>
-          <a:off x="0" y="0"/>
-          <a:ext cx="0" cy="0"/>
-          <a:chOff x="0" y="0"/>
-          <a:chExt cx="0" cy="0"/>
-        </a:xfrm>
-      </p:grpSpPr>
-    </p:spTree>
-  </p:cSld>
-  <p:clrMapOvr>
-    <a:masterClrMapping/>
-  </p:clrMapOvr>
-</p:sld>
-</file>
-
-<file path=ppt/slides/slide19.xml><?xml version="1.0" encoding="utf-8"?>
-<p:sld xmlns:a="http://schemas.openxmlformats.org/drawingml/2006/main" xmlns:r="http://schemas.openxmlformats.org/officeDocument/2006/relationships" xmlns:p="http://schemas.openxmlformats.org/presentationml/2006/main">
-  <p:cSld name="Slide 19">
-    <p:bg>
-      <p:bgPr>
-        <a:blipFill dpi="0" rotWithShape="1">
-          <a:blip r:embed="rId1">
-            <a:lum/>
-          </a:blip>
-          <a:srcRect/>
-          <a:stretch>
-            <a:fillRect/>
-          </a:stretch>
-        </a:blipFill>
-        <a:effectLst/>
-      </p:bgPr>
-    </p:bg>
-    <p:spTree>
-      <p:nvGrpSpPr>
-        <p:cNvPr id="1" name=""/>
-        <p:cNvGrpSpPr/>
-        <p:nvPr/>
-      </p:nvGrpSpPr>
-      <p:grpSpPr>
-        <a:xfrm>
-          <a:off x="0" y="0"/>
-          <a:ext cx="0" cy="0"/>
-          <a:chOff x="0" y="0"/>
-          <a:chExt cx="0" cy="0"/>
-        </a:xfrm>
-      </p:grpSpPr>
-    </p:spTree>
-  </p:cSld>
-  <p:clrMapOvr>
-    <a:masterClrMapping/>
-  </p:clrMapOvr>
-</p:sld>
-</file>
-
 <file path=ppt/slides/slide2.xml><?xml version="1.0" encoding="utf-8"?>
 <p:sld xmlns:a="http://schemas.openxmlformats.org/drawingml/2006/main" xmlns:r="http://schemas.openxmlformats.org/officeDocument/2006/relationships" xmlns:p="http://schemas.openxmlformats.org/presentationml/2006/main">
   <p:cSld name="Slide 2">
-    <p:bg>
-      <p:bgPr>
-        <a:blipFill dpi="0" rotWithShape="1">
-          <a:blip r:embed="rId1">
-            <a:lum/>
-          </a:blip>
-          <a:srcRect/>
-          <a:stretch>
-            <a:fillRect/>
-          </a:stretch>
-        </a:blipFill>
-        <a:effectLst/>
-      </p:bgPr>
-    </p:bg>
-    <p:spTree>
-      <p:nvGrpSpPr>
-        <p:cNvPr id="1" name=""/>
-        <p:cNvGrpSpPr/>
-        <p:nvPr/>
-      </p:nvGrpSpPr>
-      <p:grpSpPr>
-        <a:xfrm>
-          <a:off x="0" y="0"/>
-          <a:ext cx="0" cy="0"/>
-          <a:chOff x="0" y="0"/>
-          <a:chExt cx="0" cy="0"/>
-        </a:xfrm>
-      </p:grpSpPr>
-    </p:spTree>
-  </p:cSld>
-  <p:clrMapOvr>
-    <a:masterClrMapping/>
-  </p:clrMapOvr>
-</p:sld>
-</file>
-
-<file path=ppt/slides/slide20.xml><?xml version="1.0" encoding="utf-8"?>
-<p:sld xmlns:a="http://schemas.openxmlformats.org/drawingml/2006/main" xmlns:r="http://schemas.openxmlformats.org/officeDocument/2006/relationships" xmlns:p="http://schemas.openxmlformats.org/presentationml/2006/main">
-  <p:cSld name="Slide 20">
-    <p:bg>
-      <p:bgPr>
-        <a:blipFill dpi="0" rotWithShape="1">
-          <a:blip r:embed="rId1">
-            <a:lum/>
-          </a:blip>
-          <a:srcRect/>
-          <a:stretch>
-            <a:fillRect/>
-          </a:stretch>
-        </a:blipFill>
-        <a:effectLst/>
-      </p:bgPr>
-    </p:bg>
-    <p:spTree>
-      <p:nvGrpSpPr>
-        <p:cNvPr id="1" name=""/>
-        <p:cNvGrpSpPr/>
-        <p:nvPr/>
-      </p:nvGrpSpPr>
-      <p:grpSpPr>
-        <a:xfrm>
-          <a:off x="0" y="0"/>
-          <a:ext cx="0" cy="0"/>
-          <a:chOff x="0" y="0"/>
-          <a:chExt cx="0" cy="0"/>
-        </a:xfrm>
-      </p:grpSpPr>
-    </p:spTree>
-  </p:cSld>
-  <p:clrMapOvr>
-    <a:masterClrMapping/>
-  </p:clrMapOvr>
-</p:sld>
-</file>
-
-<file path=ppt/slides/slide21.xml><?xml version="1.0" encoding="utf-8"?>
-<p:sld xmlns:a="http://schemas.openxmlformats.org/drawingml/2006/main" xmlns:r="http://schemas.openxmlformats.org/officeDocument/2006/relationships" xmlns:p="http://schemas.openxmlformats.org/presentationml/2006/main">
-  <p:cSld name="Slide 21">
-    <p:bg>
-      <p:bgPr>
-        <a:blipFill dpi="0" rotWithShape="1">
-          <a:blip r:embed="rId1">
-            <a:lum/>
-          </a:blip>
-          <a:srcRect/>
-          <a:stretch>
-            <a:fillRect/>
-          </a:stretch>
-        </a:blipFill>
-        <a:effectLst/>
-      </p:bgPr>
-    </p:bg>
-    <p:spTree>
-      <p:nvGrpSpPr>
-        <p:cNvPr id="1" name=""/>
-        <p:cNvGrpSpPr/>
-        <p:nvPr/>
-      </p:nvGrpSpPr>
-      <p:grpSpPr>
-        <a:xfrm>
-          <a:off x="0" y="0"/>
-          <a:ext cx="0" cy="0"/>
-          <a:chOff x="0" y="0"/>
-          <a:chExt cx="0" cy="0"/>
-        </a:xfrm>
-      </p:grpSpPr>
-    </p:spTree>
-  </p:cSld>
-  <p:clrMapOvr>
-    <a:masterClrMapping/>
-  </p:clrMapOvr>
-</p:sld>
-</file>
-
-<file path=ppt/slides/slide22.xml><?xml version="1.0" encoding="utf-8"?>
-<p:sld xmlns:a="http://schemas.openxmlformats.org/drawingml/2006/main" xmlns:r="http://schemas.openxmlformats.org/officeDocument/2006/relationships" xmlns:p="http://schemas.openxmlformats.org/presentationml/2006/main">
-  <p:cSld name="Slide 22">
-    <p:bg>
-      <p:bgPr>
-        <a:blipFill dpi="0" rotWithShape="1">
-          <a:blip r:embed="rId1">
-            <a:lum/>
-          </a:blip>
-          <a:srcRect/>
-          <a:stretch>
-            <a:fillRect/>
-          </a:stretch>
-        </a:blipFill>
-        <a:effectLst/>
-      </p:bgPr>
-    </p:bg>
-    <p:spTree>
-      <p:nvGrpSpPr>
-        <p:cNvPr id="1" name=""/>
-        <p:cNvGrpSpPr/>
-        <p:nvPr/>
-      </p:nvGrpSpPr>
-      <p:grpSpPr>
-        <a:xfrm>
-          <a:off x="0" y="0"/>
-          <a:ext cx="0" cy="0"/>
-          <a:chOff x="0" y="0"/>
-          <a:chExt cx="0" cy="0"/>
-        </a:xfrm>
-      </p:grpSpPr>
-    </p:spTree>
-  </p:cSld>
-  <p:clrMapOvr>
-    <a:masterClrMapping/>
-  </p:clrMapOvr>
-</p:sld>
-</file>
-
-<file path=ppt/slides/slide23.xml><?xml version="1.0" encoding="utf-8"?>
-<p:sld xmlns:a="http://schemas.openxmlformats.org/drawingml/2006/main" xmlns:r="http://schemas.openxmlformats.org/officeDocument/2006/relationships" xmlns:p="http://schemas.openxmlformats.org/presentationml/2006/main">
-  <p:cSld name="Slide 23">
-    <p:bg>
-      <p:bgPr>
-        <a:blipFill dpi="0" rotWithShape="1">
-          <a:blip r:embed="rId1">
-            <a:lum/>
-          </a:blip>
-          <a:srcRect/>
-          <a:stretch>
-            <a:fillRect/>
-          </a:stretch>
-        </a:blipFill>
-        <a:effectLst/>
-      </p:bgPr>
-    </p:bg>
-    <p:spTree>
-      <p:nvGrpSpPr>
-        <p:cNvPr id="1" name=""/>
-        <p:cNvGrpSpPr/>
-        <p:nvPr/>
-      </p:nvGrpSpPr>
-      <p:grpSpPr>
-        <a:xfrm>
-          <a:off x="0" y="0"/>
-          <a:ext cx="0" cy="0"/>
-          <a:chOff x="0" y="0"/>
-          <a:chExt cx="0" cy="0"/>
-        </a:xfrm>
-      </p:grpSpPr>
-    </p:spTree>
-  </p:cSld>
-  <p:clrMapOvr>
-    <a:masterClrMapping/>
-  </p:clrMapOvr>
-</p:sld>
-</file>
-
-<file path=ppt/slides/slide24.xml><?xml version="1.0" encoding="utf-8"?>
-<p:sld xmlns:a="http://schemas.openxmlformats.org/drawingml/2006/main" xmlns:r="http://schemas.openxmlformats.org/officeDocument/2006/relationships" xmlns:p="http://schemas.openxmlformats.org/presentationml/2006/main">
-  <p:cSld name="Slide 24">
-    <p:bg>
-      <p:bgPr>
-        <a:blipFill dpi="0" rotWithShape="1">
-          <a:blip r:embed="rId1">
-            <a:lum/>
-          </a:blip>
-          <a:srcRect/>
-          <a:stretch>
-            <a:fillRect/>
-          </a:stretch>
-        </a:blipFill>
-        <a:effectLst/>
-      </p:bgPr>
-    </p:bg>
-    <p:spTree>
-      <p:nvGrpSpPr>
-        <p:cNvPr id="1" name=""/>
-        <p:cNvGrpSpPr/>
-        <p:nvPr/>
-      </p:nvGrpSpPr>
-      <p:grpSpPr>
-        <a:xfrm>
-          <a:off x="0" y="0"/>
-          <a:ext cx="0" cy="0"/>
-          <a:chOff x="0" y="0"/>
-          <a:chExt cx="0" cy="0"/>
-        </a:xfrm>
-      </p:grpSpPr>
-    </p:spTree>
-  </p:cSld>
-  <p:clrMapOvr>
-    <a:masterClrMapping/>
-  </p:clrMapOvr>
-</p:sld>
-</file>
-
-<file path=ppt/slides/slide25.xml><?xml version="1.0" encoding="utf-8"?>
-<p:sld xmlns:a="http://schemas.openxmlformats.org/drawingml/2006/main" xmlns:r="http://schemas.openxmlformats.org/officeDocument/2006/relationships" xmlns:p="http://schemas.openxmlformats.org/presentationml/2006/main">
-  <p:cSld name="Slide 25">
     <p:bg>
       <p:bgPr>
         <a:blipFill dpi="0" rotWithShape="1">
